--- a/Sean/Presentation/Final Project - Group 3.pptx
+++ b/Sean/Presentation/Final Project - Group 3.pptx
@@ -1820,7 +1820,7 @@
 </file>
 
 <file path=ppt/slides/slide3.xml><?xml version="1.0" encoding="utf-8"?>
-<p:sld xmlns:a="http://schemas.openxmlformats.org/drawingml/2006/main" xmlns:r="http://schemas.openxmlformats.org/officeDocument/2006/relationships" xmlns:p="http://schemas.openxmlformats.org/presentationml/2006/main" showMasterSp="0" show="0">
+<p:sld xmlns:a="http://schemas.openxmlformats.org/drawingml/2006/main" xmlns:r="http://schemas.openxmlformats.org/officeDocument/2006/relationships" xmlns:p="http://schemas.openxmlformats.org/presentationml/2006/main" showMasterSp="0">
   <p:cSld>
     <p:spTree>
       <p:nvGrpSpPr>
@@ -1922,7 +1922,7 @@
                   <a:schemeClr val="tx1"/>
                 </a:solidFill>
               </a:rPr>
-              <a:t>Built a website using GitHub Pages</a:t>
+              <a:t>Built a website using GitHub Pages and Hugo</a:t>
             </a:r>
           </a:p>
         </p:txBody>
@@ -4458,7 +4458,7 @@
                 </a:solidFill>
                 <a:cs typeface="Book Antiqua"/>
               </a:rPr>
-              <a:t>Used Google’s Go language to build the background infrastructure for a potential blogging website</a:t>
+              <a:t>Used Python and Google’s Go language to build the background infrastructure for a potential blogging website</a:t>
             </a:r>
           </a:p>
           <a:p>
@@ -5556,7 +5556,7 @@
 </file>
 
 <file path=ppt/slides/slide7.xml><?xml version="1.0" encoding="utf-8"?>
-<p:sld xmlns:a="http://schemas.openxmlformats.org/drawingml/2006/main" xmlns:r="http://schemas.openxmlformats.org/officeDocument/2006/relationships" xmlns:p="http://schemas.openxmlformats.org/presentationml/2006/main" showMasterSp="0" show="0">
+<p:sld xmlns:a="http://schemas.openxmlformats.org/drawingml/2006/main" xmlns:r="http://schemas.openxmlformats.org/officeDocument/2006/relationships" xmlns:p="http://schemas.openxmlformats.org/presentationml/2006/main" showMasterSp="0">
   <p:cSld>
     <p:spTree>
       <p:nvGrpSpPr>

--- a/Sean/Presentation/Final Project - Group 3.pptx
+++ b/Sean/Presentation/Final Project - Group 3.pptx
@@ -269,7 +269,7 @@
           <a:p>
             <a:fld id="{1D8BD707-D9CF-40AE-B4C6-C98DA3205C09}" type="datetimeFigureOut">
               <a:rPr lang="en-US"/>
-              <a:t>5/22/2024</a:t>
+              <a:t>5/23/2024</a:t>
             </a:fld>
             <a:endParaRPr lang="en-US"/>
           </a:p>
@@ -440,7 +440,7 @@
           <a:p>
             <a:fld id="{1D8BD707-D9CF-40AE-B4C6-C98DA3205C09}" type="datetimeFigureOut">
               <a:rPr lang="en-US"/>
-              <a:t>5/22/2024</a:t>
+              <a:t>5/23/2024</a:t>
             </a:fld>
             <a:endParaRPr lang="en-US"/>
           </a:p>
@@ -654,7 +654,7 @@
           <a:p>
             <a:fld id="{1D8BD707-D9CF-40AE-B4C6-C98DA3205C09}" type="datetimeFigureOut">
               <a:rPr lang="en-US"/>
-              <a:t>5/22/2024</a:t>
+              <a:t>5/23/2024</a:t>
             </a:fld>
             <a:endParaRPr lang="en-US"/>
           </a:p>
@@ -802,7 +802,7 @@
           <a:p>
             <a:fld id="{1D8BD707-D9CF-40AE-B4C6-C98DA3205C09}" type="datetimeFigureOut">
               <a:rPr lang="en-US"/>
-              <a:t>5/22/2024</a:t>
+              <a:t>5/23/2024</a:t>
             </a:fld>
             <a:endParaRPr lang="en-US"/>
           </a:p>
@@ -921,7 +921,7 @@
           <a:p>
             <a:fld id="{1D8BD707-D9CF-40AE-B4C6-C98DA3205C09}" type="datetimeFigureOut">
               <a:rPr lang="en-US"/>
-              <a:t>5/22/2024</a:t>
+              <a:t>5/23/2024</a:t>
             </a:fld>
             <a:endParaRPr lang="en-US"/>
           </a:p>
@@ -1140,7 +1140,7 @@
           <a:p>
             <a:fld id="{1D8BD707-D9CF-40AE-B4C6-C98DA3205C09}" type="datetimeFigureOut">
               <a:rPr lang="en-US"/>
-              <a:t>5/22/2024</a:t>
+              <a:t>5/23/2024</a:t>
             </a:fld>
             <a:endParaRPr lang="en-US"/>
           </a:p>
@@ -1894,6 +1894,11 @@
           <a:solidFill>
             <a:srgbClr val="66C7EB"/>
           </a:solidFill>
+          <a:ln w="6350">
+            <a:solidFill>
+              <a:srgbClr val="66C7EB"/>
+            </a:solidFill>
+          </a:ln>
         </p:spPr>
         <p:style>
           <a:lnRef idx="2">
@@ -1950,6 +1955,11 @@
           <a:solidFill>
             <a:srgbClr val="66C7EB"/>
           </a:solidFill>
+          <a:ln w="6350">
+            <a:solidFill>
+              <a:srgbClr val="66C7EB"/>
+            </a:solidFill>
+          </a:ln>
         </p:spPr>
         <p:style>
           <a:lnRef idx="2">
@@ -2006,6 +2016,7 @@
           <a:solidFill>
             <a:srgbClr val="FFFE70"/>
           </a:solidFill>
+          <a:ln w="6350"/>
         </p:spPr>
         <p:style>
           <a:lnRef idx="2">
@@ -2078,6 +2089,7 @@
           <a:solidFill>
             <a:srgbClr val="FFFE70"/>
           </a:solidFill>
+          <a:ln w="6350"/>
         </p:spPr>
         <p:style>
           <a:lnRef idx="2">
@@ -2238,6 +2250,11 @@
           <a:solidFill>
             <a:srgbClr val="66C7EB"/>
           </a:solidFill>
+          <a:ln w="6350">
+            <a:solidFill>
+              <a:srgbClr val="66C7EB"/>
+            </a:solidFill>
+          </a:ln>
         </p:spPr>
         <p:style>
           <a:lnRef idx="2">
@@ -2408,6 +2425,11 @@
           <a:solidFill>
             <a:srgbClr val="66C7EB"/>
           </a:solidFill>
+          <a:ln w="6350">
+            <a:solidFill>
+              <a:srgbClr val="66C7EB"/>
+            </a:solidFill>
+          </a:ln>
         </p:spPr>
         <p:style>
           <a:lnRef idx="2">
@@ -2464,6 +2486,7 @@
           <a:solidFill>
             <a:srgbClr val="FFFE70"/>
           </a:solidFill>
+          <a:ln w="6350"/>
         </p:spPr>
         <p:style>
           <a:lnRef idx="2">
@@ -2520,6 +2543,11 @@
           <a:solidFill>
             <a:srgbClr val="66C7EB"/>
           </a:solidFill>
+          <a:ln w="6350">
+            <a:solidFill>
+              <a:srgbClr val="66C7EB"/>
+            </a:solidFill>
+          </a:ln>
         </p:spPr>
         <p:style>
           <a:lnRef idx="2">
@@ -2638,6 +2666,7 @@
           <a:solidFill>
             <a:srgbClr val="FFFE70"/>
           </a:solidFill>
+          <a:ln w="6350"/>
         </p:spPr>
         <p:style>
           <a:lnRef idx="2">
@@ -2731,6 +2760,1316 @@
           </a:p>
         </p:txBody>
       </p:sp>
+      <p:sp>
+        <p:nvSpPr>
+          <p:cNvPr id="4" name="Left Bracket 3">
+            <a:extLst>
+              <a:ext uri="{FF2B5EF4-FFF2-40B4-BE49-F238E27FC236}">
+                <a16:creationId xmlns:a16="http://schemas.microsoft.com/office/drawing/2014/main" id="{63A53AF3-B824-E06B-877C-321CC8171AA6}"/>
+              </a:ext>
+            </a:extLst>
+          </p:cNvPr>
+          <p:cNvSpPr/>
+          <p:nvPr/>
+        </p:nvSpPr>
+        <p:spPr>
+          <a:xfrm rot="5400000">
+            <a:off x="2809138" y="2552429"/>
+            <a:ext cx="685800" cy="2395424"/>
+          </a:xfrm>
+          <a:prstGeom prst="leftBracket">
+            <a:avLst>
+              <a:gd name="adj" fmla="val 0"/>
+            </a:avLst>
+          </a:prstGeom>
+          <a:ln w="3175">
+            <a:solidFill>
+              <a:srgbClr val="66C7EB"/>
+            </a:solidFill>
+          </a:ln>
+        </p:spPr>
+        <p:style>
+          <a:lnRef idx="1">
+            <a:schemeClr val="accent1"/>
+          </a:lnRef>
+          <a:fillRef idx="0">
+            <a:schemeClr val="accent1"/>
+          </a:fillRef>
+          <a:effectRef idx="0">
+            <a:schemeClr val="accent1"/>
+          </a:effectRef>
+          <a:fontRef idx="minor">
+            <a:schemeClr val="tx1"/>
+          </a:fontRef>
+        </p:style>
+        <p:txBody>
+          <a:bodyPr rtlCol="0" anchor="ctr"/>
+          <a:lstStyle/>
+          <a:p>
+            <a:pPr algn="ctr"/>
+            <a:endParaRPr lang="en-US"/>
+          </a:p>
+        </p:txBody>
+      </p:sp>
+      <p:sp>
+        <p:nvSpPr>
+          <p:cNvPr id="5" name="Oval 4">
+            <a:extLst>
+              <a:ext uri="{FF2B5EF4-FFF2-40B4-BE49-F238E27FC236}">
+                <a16:creationId xmlns:a16="http://schemas.microsoft.com/office/drawing/2014/main" id="{DCA29496-84C7-7191-AB41-9630522073A7}"/>
+              </a:ext>
+            </a:extLst>
+          </p:cNvPr>
+          <p:cNvSpPr/>
+          <p:nvPr/>
+        </p:nvSpPr>
+        <p:spPr>
+          <a:xfrm>
+            <a:off x="2694838" y="2947293"/>
+            <a:ext cx="914400" cy="914400"/>
+          </a:xfrm>
+          <a:prstGeom prst="ellipse">
+            <a:avLst/>
+          </a:prstGeom>
+          <a:solidFill>
+            <a:srgbClr val="001634"/>
+          </a:solidFill>
+          <a:ln w="19050">
+            <a:solidFill>
+              <a:srgbClr val="66C7EB"/>
+            </a:solidFill>
+          </a:ln>
+        </p:spPr>
+        <p:style>
+          <a:lnRef idx="2">
+            <a:schemeClr val="accent1">
+              <a:shade val="15000"/>
+            </a:schemeClr>
+          </a:lnRef>
+          <a:fillRef idx="1">
+            <a:schemeClr val="accent1"/>
+          </a:fillRef>
+          <a:effectRef idx="0">
+            <a:schemeClr val="accent1"/>
+          </a:effectRef>
+          <a:fontRef idx="minor">
+            <a:schemeClr val="lt1"/>
+          </a:fontRef>
+        </p:style>
+        <p:txBody>
+          <a:bodyPr rtlCol="0" anchor="ctr"/>
+          <a:lstStyle/>
+          <a:p>
+            <a:pPr algn="ctr"/>
+            <a:endParaRPr lang="en-US"/>
+          </a:p>
+        </p:txBody>
+      </p:sp>
+      <p:sp>
+        <p:nvSpPr>
+          <p:cNvPr id="8" name="Left Bracket 7">
+            <a:extLst>
+              <a:ext uri="{FF2B5EF4-FFF2-40B4-BE49-F238E27FC236}">
+                <a16:creationId xmlns:a16="http://schemas.microsoft.com/office/drawing/2014/main" id="{1082FD41-7B92-C287-BBB1-6770E22B0705}"/>
+              </a:ext>
+            </a:extLst>
+          </p:cNvPr>
+          <p:cNvSpPr/>
+          <p:nvPr/>
+        </p:nvSpPr>
+        <p:spPr>
+          <a:xfrm rot="5400000">
+            <a:off x="5719350" y="2552429"/>
+            <a:ext cx="685800" cy="2395424"/>
+          </a:xfrm>
+          <a:prstGeom prst="leftBracket">
+            <a:avLst>
+              <a:gd name="adj" fmla="val 0"/>
+            </a:avLst>
+          </a:prstGeom>
+          <a:ln w="3175">
+            <a:solidFill>
+              <a:srgbClr val="66C7EB"/>
+            </a:solidFill>
+          </a:ln>
+        </p:spPr>
+        <p:style>
+          <a:lnRef idx="1">
+            <a:schemeClr val="accent1"/>
+          </a:lnRef>
+          <a:fillRef idx="0">
+            <a:schemeClr val="accent1"/>
+          </a:fillRef>
+          <a:effectRef idx="0">
+            <a:schemeClr val="accent1"/>
+          </a:effectRef>
+          <a:fontRef idx="minor">
+            <a:schemeClr val="tx1"/>
+          </a:fontRef>
+        </p:style>
+        <p:txBody>
+          <a:bodyPr rtlCol="0" anchor="ctr"/>
+          <a:lstStyle/>
+          <a:p>
+            <a:pPr algn="ctr"/>
+            <a:endParaRPr lang="en-US"/>
+          </a:p>
+        </p:txBody>
+      </p:sp>
+      <p:sp>
+        <p:nvSpPr>
+          <p:cNvPr id="9" name="Oval 8">
+            <a:extLst>
+              <a:ext uri="{FF2B5EF4-FFF2-40B4-BE49-F238E27FC236}">
+                <a16:creationId xmlns:a16="http://schemas.microsoft.com/office/drawing/2014/main" id="{2F4E2E65-545D-498E-557B-28958046970C}"/>
+              </a:ext>
+            </a:extLst>
+          </p:cNvPr>
+          <p:cNvSpPr/>
+          <p:nvPr/>
+        </p:nvSpPr>
+        <p:spPr>
+          <a:xfrm>
+            <a:off x="5605050" y="2947293"/>
+            <a:ext cx="914400" cy="914400"/>
+          </a:xfrm>
+          <a:prstGeom prst="ellipse">
+            <a:avLst/>
+          </a:prstGeom>
+          <a:solidFill>
+            <a:srgbClr val="001634"/>
+          </a:solidFill>
+          <a:ln w="19050">
+            <a:solidFill>
+              <a:srgbClr val="66C7EB"/>
+            </a:solidFill>
+          </a:ln>
+        </p:spPr>
+        <p:style>
+          <a:lnRef idx="2">
+            <a:schemeClr val="accent1">
+              <a:shade val="15000"/>
+            </a:schemeClr>
+          </a:lnRef>
+          <a:fillRef idx="1">
+            <a:schemeClr val="accent1"/>
+          </a:fillRef>
+          <a:effectRef idx="0">
+            <a:schemeClr val="accent1"/>
+          </a:effectRef>
+          <a:fontRef idx="minor">
+            <a:schemeClr val="lt1"/>
+          </a:fontRef>
+        </p:style>
+        <p:txBody>
+          <a:bodyPr rtlCol="0" anchor="ctr"/>
+          <a:lstStyle/>
+          <a:p>
+            <a:pPr algn="ctr"/>
+            <a:endParaRPr lang="en-US"/>
+          </a:p>
+        </p:txBody>
+      </p:sp>
+      <p:sp>
+        <p:nvSpPr>
+          <p:cNvPr id="11" name="Left Bracket 10">
+            <a:extLst>
+              <a:ext uri="{FF2B5EF4-FFF2-40B4-BE49-F238E27FC236}">
+                <a16:creationId xmlns:a16="http://schemas.microsoft.com/office/drawing/2014/main" id="{481A27A4-B9CE-2393-DB44-536847ABC680}"/>
+              </a:ext>
+            </a:extLst>
+          </p:cNvPr>
+          <p:cNvSpPr/>
+          <p:nvPr/>
+        </p:nvSpPr>
+        <p:spPr>
+          <a:xfrm rot="5400000">
+            <a:off x="8587606" y="2552429"/>
+            <a:ext cx="685800" cy="2395424"/>
+          </a:xfrm>
+          <a:prstGeom prst="leftBracket">
+            <a:avLst>
+              <a:gd name="adj" fmla="val 0"/>
+            </a:avLst>
+          </a:prstGeom>
+          <a:ln w="3175">
+            <a:solidFill>
+              <a:srgbClr val="66C7EB"/>
+            </a:solidFill>
+          </a:ln>
+        </p:spPr>
+        <p:style>
+          <a:lnRef idx="1">
+            <a:schemeClr val="accent1"/>
+          </a:lnRef>
+          <a:fillRef idx="0">
+            <a:schemeClr val="accent1"/>
+          </a:fillRef>
+          <a:effectRef idx="0">
+            <a:schemeClr val="accent1"/>
+          </a:effectRef>
+          <a:fontRef idx="minor">
+            <a:schemeClr val="tx1"/>
+          </a:fontRef>
+        </p:style>
+        <p:txBody>
+          <a:bodyPr rtlCol="0" anchor="ctr"/>
+          <a:lstStyle/>
+          <a:p>
+            <a:pPr algn="ctr"/>
+            <a:endParaRPr lang="en-US"/>
+          </a:p>
+        </p:txBody>
+      </p:sp>
+      <p:sp>
+        <p:nvSpPr>
+          <p:cNvPr id="14" name="Oval 13">
+            <a:extLst>
+              <a:ext uri="{FF2B5EF4-FFF2-40B4-BE49-F238E27FC236}">
+                <a16:creationId xmlns:a16="http://schemas.microsoft.com/office/drawing/2014/main" id="{014C562F-6435-4513-E1BB-424EBB1A572C}"/>
+              </a:ext>
+            </a:extLst>
+          </p:cNvPr>
+          <p:cNvSpPr/>
+          <p:nvPr/>
+        </p:nvSpPr>
+        <p:spPr>
+          <a:xfrm>
+            <a:off x="8473306" y="2947293"/>
+            <a:ext cx="914400" cy="914400"/>
+          </a:xfrm>
+          <a:prstGeom prst="ellipse">
+            <a:avLst/>
+          </a:prstGeom>
+          <a:solidFill>
+            <a:srgbClr val="001634"/>
+          </a:solidFill>
+          <a:ln w="19050">
+            <a:solidFill>
+              <a:srgbClr val="66C7EB"/>
+            </a:solidFill>
+          </a:ln>
+        </p:spPr>
+        <p:style>
+          <a:lnRef idx="2">
+            <a:schemeClr val="accent1">
+              <a:shade val="15000"/>
+            </a:schemeClr>
+          </a:lnRef>
+          <a:fillRef idx="1">
+            <a:schemeClr val="accent1"/>
+          </a:fillRef>
+          <a:effectRef idx="0">
+            <a:schemeClr val="accent1"/>
+          </a:effectRef>
+          <a:fontRef idx="minor">
+            <a:schemeClr val="lt1"/>
+          </a:fontRef>
+        </p:style>
+        <p:txBody>
+          <a:bodyPr rtlCol="0" anchor="ctr"/>
+          <a:lstStyle/>
+          <a:p>
+            <a:pPr algn="ctr"/>
+            <a:endParaRPr lang="en-US"/>
+          </a:p>
+        </p:txBody>
+      </p:sp>
+      <p:sp>
+        <p:nvSpPr>
+          <p:cNvPr id="27" name="Left Bracket 26">
+            <a:extLst>
+              <a:ext uri="{FF2B5EF4-FFF2-40B4-BE49-F238E27FC236}">
+                <a16:creationId xmlns:a16="http://schemas.microsoft.com/office/drawing/2014/main" id="{969D6F0D-92C5-72B5-AB80-F5EA903209B6}"/>
+              </a:ext>
+            </a:extLst>
+          </p:cNvPr>
+          <p:cNvSpPr/>
+          <p:nvPr/>
+        </p:nvSpPr>
+        <p:spPr>
+          <a:xfrm rot="5400000">
+            <a:off x="11492178" y="2552429"/>
+            <a:ext cx="685800" cy="2395424"/>
+          </a:xfrm>
+          <a:prstGeom prst="leftBracket">
+            <a:avLst>
+              <a:gd name="adj" fmla="val 0"/>
+            </a:avLst>
+          </a:prstGeom>
+          <a:ln w="3175">
+            <a:solidFill>
+              <a:srgbClr val="66C7EB"/>
+            </a:solidFill>
+          </a:ln>
+        </p:spPr>
+        <p:style>
+          <a:lnRef idx="1">
+            <a:schemeClr val="accent1"/>
+          </a:lnRef>
+          <a:fillRef idx="0">
+            <a:schemeClr val="accent1"/>
+          </a:fillRef>
+          <a:effectRef idx="0">
+            <a:schemeClr val="accent1"/>
+          </a:effectRef>
+          <a:fontRef idx="minor">
+            <a:schemeClr val="tx1"/>
+          </a:fontRef>
+        </p:style>
+        <p:txBody>
+          <a:bodyPr rtlCol="0" anchor="ctr"/>
+          <a:lstStyle/>
+          <a:p>
+            <a:pPr algn="ctr"/>
+            <a:endParaRPr lang="en-US"/>
+          </a:p>
+        </p:txBody>
+      </p:sp>
+      <p:sp>
+        <p:nvSpPr>
+          <p:cNvPr id="29" name="Oval 28">
+            <a:extLst>
+              <a:ext uri="{FF2B5EF4-FFF2-40B4-BE49-F238E27FC236}">
+                <a16:creationId xmlns:a16="http://schemas.microsoft.com/office/drawing/2014/main" id="{28B48A64-C5E0-02BC-65E6-56621E58C4CF}"/>
+              </a:ext>
+            </a:extLst>
+          </p:cNvPr>
+          <p:cNvSpPr/>
+          <p:nvPr/>
+        </p:nvSpPr>
+        <p:spPr>
+          <a:xfrm>
+            <a:off x="11377878" y="2947293"/>
+            <a:ext cx="914400" cy="914400"/>
+          </a:xfrm>
+          <a:prstGeom prst="ellipse">
+            <a:avLst/>
+          </a:prstGeom>
+          <a:solidFill>
+            <a:srgbClr val="001634"/>
+          </a:solidFill>
+          <a:ln w="19050">
+            <a:solidFill>
+              <a:srgbClr val="66C7EB"/>
+            </a:solidFill>
+          </a:ln>
+        </p:spPr>
+        <p:style>
+          <a:lnRef idx="2">
+            <a:schemeClr val="accent1">
+              <a:shade val="15000"/>
+            </a:schemeClr>
+          </a:lnRef>
+          <a:fillRef idx="1">
+            <a:schemeClr val="accent1"/>
+          </a:fillRef>
+          <a:effectRef idx="0">
+            <a:schemeClr val="accent1"/>
+          </a:effectRef>
+          <a:fontRef idx="minor">
+            <a:schemeClr val="lt1"/>
+          </a:fontRef>
+        </p:style>
+        <p:txBody>
+          <a:bodyPr rtlCol="0" anchor="ctr"/>
+          <a:lstStyle/>
+          <a:p>
+            <a:pPr algn="ctr"/>
+            <a:endParaRPr lang="en-US"/>
+          </a:p>
+        </p:txBody>
+      </p:sp>
+      <p:sp>
+        <p:nvSpPr>
+          <p:cNvPr id="33" name="Left Bracket 32">
+            <a:extLst>
+              <a:ext uri="{FF2B5EF4-FFF2-40B4-BE49-F238E27FC236}">
+                <a16:creationId xmlns:a16="http://schemas.microsoft.com/office/drawing/2014/main" id="{B04A209C-4BB1-BAF5-3593-BD0E1E73EB33}"/>
+              </a:ext>
+            </a:extLst>
+          </p:cNvPr>
+          <p:cNvSpPr/>
+          <p:nvPr/>
+        </p:nvSpPr>
+        <p:spPr>
+          <a:xfrm rot="5400000">
+            <a:off x="14378592" y="2552429"/>
+            <a:ext cx="685800" cy="2395424"/>
+          </a:xfrm>
+          <a:prstGeom prst="leftBracket">
+            <a:avLst>
+              <a:gd name="adj" fmla="val 0"/>
+            </a:avLst>
+          </a:prstGeom>
+          <a:ln w="3175">
+            <a:solidFill>
+              <a:srgbClr val="66C7EB"/>
+            </a:solidFill>
+          </a:ln>
+        </p:spPr>
+        <p:style>
+          <a:lnRef idx="1">
+            <a:schemeClr val="accent1"/>
+          </a:lnRef>
+          <a:fillRef idx="0">
+            <a:schemeClr val="accent1"/>
+          </a:fillRef>
+          <a:effectRef idx="0">
+            <a:schemeClr val="accent1"/>
+          </a:effectRef>
+          <a:fontRef idx="minor">
+            <a:schemeClr val="tx1"/>
+          </a:fontRef>
+        </p:style>
+        <p:txBody>
+          <a:bodyPr rtlCol="0" anchor="ctr"/>
+          <a:lstStyle/>
+          <a:p>
+            <a:pPr algn="ctr"/>
+            <a:endParaRPr lang="en-US"/>
+          </a:p>
+        </p:txBody>
+      </p:sp>
+      <p:sp>
+        <p:nvSpPr>
+          <p:cNvPr id="34" name="Oval 33">
+            <a:extLst>
+              <a:ext uri="{FF2B5EF4-FFF2-40B4-BE49-F238E27FC236}">
+                <a16:creationId xmlns:a16="http://schemas.microsoft.com/office/drawing/2014/main" id="{1C96BA67-A335-B69E-6966-BEEC61838D07}"/>
+              </a:ext>
+            </a:extLst>
+          </p:cNvPr>
+          <p:cNvSpPr/>
+          <p:nvPr/>
+        </p:nvSpPr>
+        <p:spPr>
+          <a:xfrm>
+            <a:off x="14264292" y="2947293"/>
+            <a:ext cx="914400" cy="914400"/>
+          </a:xfrm>
+          <a:prstGeom prst="ellipse">
+            <a:avLst/>
+          </a:prstGeom>
+          <a:solidFill>
+            <a:srgbClr val="001634"/>
+          </a:solidFill>
+          <a:ln w="19050">
+            <a:solidFill>
+              <a:srgbClr val="66C7EB"/>
+            </a:solidFill>
+          </a:ln>
+        </p:spPr>
+        <p:style>
+          <a:lnRef idx="2">
+            <a:schemeClr val="accent1">
+              <a:shade val="15000"/>
+            </a:schemeClr>
+          </a:lnRef>
+          <a:fillRef idx="1">
+            <a:schemeClr val="accent1"/>
+          </a:fillRef>
+          <a:effectRef idx="0">
+            <a:schemeClr val="accent1"/>
+          </a:effectRef>
+          <a:fontRef idx="minor">
+            <a:schemeClr val="lt1"/>
+          </a:fontRef>
+        </p:style>
+        <p:txBody>
+          <a:bodyPr rtlCol="0" anchor="ctr"/>
+          <a:lstStyle/>
+          <a:p>
+            <a:pPr algn="ctr"/>
+            <a:endParaRPr lang="en-US"/>
+          </a:p>
+        </p:txBody>
+      </p:sp>
+      <p:pic>
+        <p:nvPicPr>
+          <p:cNvPr id="49" name="Picture 48">
+            <a:extLst>
+              <a:ext uri="{FF2B5EF4-FFF2-40B4-BE49-F238E27FC236}">
+                <a16:creationId xmlns:a16="http://schemas.microsoft.com/office/drawing/2014/main" id="{7EA58410-F31A-1573-78D0-DA32992CBBF9}"/>
+              </a:ext>
+            </a:extLst>
+          </p:cNvPr>
+          <p:cNvPicPr>
+            <a:picLocks noChangeAspect="1"/>
+          </p:cNvPicPr>
+          <p:nvPr/>
+        </p:nvPicPr>
+        <p:blipFill>
+          <a:blip r:embed="rId3" cstate="print">
+            <a:lum bright="70000" contrast="-70000"/>
+            <a:extLst>
+              <a:ext uri="{28A0092B-C50C-407E-A947-70E740481C1C}">
+                <a14:useLocalDpi xmlns:a14="http://schemas.microsoft.com/office/drawing/2010/main" val="0"/>
+              </a:ext>
+            </a:extLst>
+          </a:blip>
+          <a:stretch>
+            <a:fillRect/>
+          </a:stretch>
+        </p:blipFill>
+        <p:spPr>
+          <a:xfrm>
+            <a:off x="8610466" y="3084453"/>
+            <a:ext cx="640080" cy="640080"/>
+          </a:xfrm>
+          <a:prstGeom prst="rect">
+            <a:avLst/>
+          </a:prstGeom>
+        </p:spPr>
+      </p:pic>
+      <p:pic>
+        <p:nvPicPr>
+          <p:cNvPr id="51" name="Picture 50">
+            <a:extLst>
+              <a:ext uri="{FF2B5EF4-FFF2-40B4-BE49-F238E27FC236}">
+                <a16:creationId xmlns:a16="http://schemas.microsoft.com/office/drawing/2014/main" id="{289A2E0D-442A-823F-E0B0-E58A5EA13E5B}"/>
+              </a:ext>
+            </a:extLst>
+          </p:cNvPr>
+          <p:cNvPicPr>
+            <a:picLocks noChangeAspect="1"/>
+          </p:cNvPicPr>
+          <p:nvPr/>
+        </p:nvPicPr>
+        <p:blipFill>
+          <a:blip r:embed="rId4" cstate="print">
+            <a:lum bright="70000" contrast="-70000"/>
+            <a:extLst>
+              <a:ext uri="{28A0092B-C50C-407E-A947-70E740481C1C}">
+                <a14:useLocalDpi xmlns:a14="http://schemas.microsoft.com/office/drawing/2010/main" val="0"/>
+              </a:ext>
+            </a:extLst>
+          </a:blip>
+          <a:stretch>
+            <a:fillRect/>
+          </a:stretch>
+        </p:blipFill>
+        <p:spPr>
+          <a:xfrm>
+            <a:off x="5742210" y="3084453"/>
+            <a:ext cx="640080" cy="640080"/>
+          </a:xfrm>
+          <a:prstGeom prst="rect">
+            <a:avLst/>
+          </a:prstGeom>
+          <a:noFill/>
+          <a:ln>
+            <a:noFill/>
+          </a:ln>
+        </p:spPr>
+      </p:pic>
+      <p:pic>
+        <p:nvPicPr>
+          <p:cNvPr id="53" name="Picture 52">
+            <a:extLst>
+              <a:ext uri="{FF2B5EF4-FFF2-40B4-BE49-F238E27FC236}">
+                <a16:creationId xmlns:a16="http://schemas.microsoft.com/office/drawing/2014/main" id="{5FB72C01-0317-1847-1DD8-E94189A59055}"/>
+              </a:ext>
+            </a:extLst>
+          </p:cNvPr>
+          <p:cNvPicPr>
+            <a:picLocks noChangeAspect="1"/>
+          </p:cNvPicPr>
+          <p:nvPr/>
+        </p:nvPicPr>
+        <p:blipFill>
+          <a:blip r:embed="rId5" cstate="print">
+            <a:lum bright="70000" contrast="-70000"/>
+            <a:extLst>
+              <a:ext uri="{28A0092B-C50C-407E-A947-70E740481C1C}">
+                <a14:useLocalDpi xmlns:a14="http://schemas.microsoft.com/office/drawing/2010/main" val="0"/>
+              </a:ext>
+            </a:extLst>
+          </a:blip>
+          <a:stretch>
+            <a:fillRect/>
+          </a:stretch>
+        </p:blipFill>
+        <p:spPr>
+          <a:xfrm>
+            <a:off x="2831998" y="3084453"/>
+            <a:ext cx="640080" cy="640080"/>
+          </a:xfrm>
+          <a:prstGeom prst="rect">
+            <a:avLst/>
+          </a:prstGeom>
+          <a:noFill/>
+          <a:ln>
+            <a:noFill/>
+          </a:ln>
+        </p:spPr>
+      </p:pic>
+      <p:sp>
+        <p:nvSpPr>
+          <p:cNvPr id="56" name="Left Bracket 55">
+            <a:extLst>
+              <a:ext uri="{FF2B5EF4-FFF2-40B4-BE49-F238E27FC236}">
+                <a16:creationId xmlns:a16="http://schemas.microsoft.com/office/drawing/2014/main" id="{6ECDB6E6-35B1-AB4A-E24D-C53751FEC779}"/>
+              </a:ext>
+            </a:extLst>
+          </p:cNvPr>
+          <p:cNvSpPr/>
+          <p:nvPr/>
+        </p:nvSpPr>
+        <p:spPr>
+          <a:xfrm rot="16200000" flipV="1">
+            <a:off x="2809138" y="7938145"/>
+            <a:ext cx="685800" cy="2395424"/>
+          </a:xfrm>
+          <a:prstGeom prst="leftBracket">
+            <a:avLst>
+              <a:gd name="adj" fmla="val 0"/>
+            </a:avLst>
+          </a:prstGeom>
+          <a:ln w="3175">
+            <a:solidFill>
+              <a:srgbClr val="FFFE70"/>
+            </a:solidFill>
+          </a:ln>
+        </p:spPr>
+        <p:style>
+          <a:lnRef idx="1">
+            <a:schemeClr val="accent1"/>
+          </a:lnRef>
+          <a:fillRef idx="0">
+            <a:schemeClr val="accent1"/>
+          </a:fillRef>
+          <a:effectRef idx="0">
+            <a:schemeClr val="accent1"/>
+          </a:effectRef>
+          <a:fontRef idx="minor">
+            <a:schemeClr val="tx1"/>
+          </a:fontRef>
+        </p:style>
+        <p:txBody>
+          <a:bodyPr rtlCol="0" anchor="ctr"/>
+          <a:lstStyle/>
+          <a:p>
+            <a:pPr algn="ctr"/>
+            <a:endParaRPr lang="en-US"/>
+          </a:p>
+        </p:txBody>
+      </p:sp>
+      <p:sp>
+        <p:nvSpPr>
+          <p:cNvPr id="57" name="Oval 56">
+            <a:extLst>
+              <a:ext uri="{FF2B5EF4-FFF2-40B4-BE49-F238E27FC236}">
+                <a16:creationId xmlns:a16="http://schemas.microsoft.com/office/drawing/2014/main" id="{9043B863-EACC-6D2C-F497-78F1D29562DC}"/>
+              </a:ext>
+            </a:extLst>
+          </p:cNvPr>
+          <p:cNvSpPr/>
+          <p:nvPr/>
+        </p:nvSpPr>
+        <p:spPr>
+          <a:xfrm flipV="1">
+            <a:off x="2694838" y="9024305"/>
+            <a:ext cx="914400" cy="914400"/>
+          </a:xfrm>
+          <a:prstGeom prst="ellipse">
+            <a:avLst/>
+          </a:prstGeom>
+          <a:solidFill>
+            <a:srgbClr val="001634"/>
+          </a:solidFill>
+          <a:ln w="19050">
+            <a:solidFill>
+              <a:srgbClr val="FFFE70"/>
+            </a:solidFill>
+          </a:ln>
+        </p:spPr>
+        <p:style>
+          <a:lnRef idx="2">
+            <a:schemeClr val="accent1">
+              <a:shade val="15000"/>
+            </a:schemeClr>
+          </a:lnRef>
+          <a:fillRef idx="1">
+            <a:schemeClr val="accent1"/>
+          </a:fillRef>
+          <a:effectRef idx="0">
+            <a:schemeClr val="accent1"/>
+          </a:effectRef>
+          <a:fontRef idx="minor">
+            <a:schemeClr val="lt1"/>
+          </a:fontRef>
+        </p:style>
+        <p:txBody>
+          <a:bodyPr rtlCol="0" anchor="ctr"/>
+          <a:lstStyle/>
+          <a:p>
+            <a:pPr algn="ctr"/>
+            <a:endParaRPr lang="en-US"/>
+          </a:p>
+        </p:txBody>
+      </p:sp>
+      <p:sp>
+        <p:nvSpPr>
+          <p:cNvPr id="58" name="Left Bracket 57">
+            <a:extLst>
+              <a:ext uri="{FF2B5EF4-FFF2-40B4-BE49-F238E27FC236}">
+                <a16:creationId xmlns:a16="http://schemas.microsoft.com/office/drawing/2014/main" id="{417F864A-D243-8D59-CBCD-AA5C6DC6516B}"/>
+              </a:ext>
+            </a:extLst>
+          </p:cNvPr>
+          <p:cNvSpPr/>
+          <p:nvPr/>
+        </p:nvSpPr>
+        <p:spPr>
+          <a:xfrm rot="16200000" flipV="1">
+            <a:off x="5719350" y="7938145"/>
+            <a:ext cx="685800" cy="2395424"/>
+          </a:xfrm>
+          <a:prstGeom prst="leftBracket">
+            <a:avLst>
+              <a:gd name="adj" fmla="val 0"/>
+            </a:avLst>
+          </a:prstGeom>
+          <a:ln w="3175">
+            <a:solidFill>
+              <a:srgbClr val="FFFE70"/>
+            </a:solidFill>
+          </a:ln>
+        </p:spPr>
+        <p:style>
+          <a:lnRef idx="1">
+            <a:schemeClr val="accent1"/>
+          </a:lnRef>
+          <a:fillRef idx="0">
+            <a:schemeClr val="accent1"/>
+          </a:fillRef>
+          <a:effectRef idx="0">
+            <a:schemeClr val="accent1"/>
+          </a:effectRef>
+          <a:fontRef idx="minor">
+            <a:schemeClr val="tx1"/>
+          </a:fontRef>
+        </p:style>
+        <p:txBody>
+          <a:bodyPr rtlCol="0" anchor="ctr"/>
+          <a:lstStyle/>
+          <a:p>
+            <a:pPr algn="ctr"/>
+            <a:endParaRPr lang="en-US"/>
+          </a:p>
+        </p:txBody>
+      </p:sp>
+      <p:sp>
+        <p:nvSpPr>
+          <p:cNvPr id="59" name="Oval 58">
+            <a:extLst>
+              <a:ext uri="{FF2B5EF4-FFF2-40B4-BE49-F238E27FC236}">
+                <a16:creationId xmlns:a16="http://schemas.microsoft.com/office/drawing/2014/main" id="{B12E121A-3D07-343C-0C7C-C52BFD04290D}"/>
+              </a:ext>
+            </a:extLst>
+          </p:cNvPr>
+          <p:cNvSpPr/>
+          <p:nvPr/>
+        </p:nvSpPr>
+        <p:spPr>
+          <a:xfrm flipV="1">
+            <a:off x="5605050" y="9024305"/>
+            <a:ext cx="914400" cy="914400"/>
+          </a:xfrm>
+          <a:prstGeom prst="ellipse">
+            <a:avLst/>
+          </a:prstGeom>
+          <a:solidFill>
+            <a:srgbClr val="001634"/>
+          </a:solidFill>
+          <a:ln w="19050">
+            <a:solidFill>
+              <a:srgbClr val="FFFE70"/>
+            </a:solidFill>
+          </a:ln>
+        </p:spPr>
+        <p:style>
+          <a:lnRef idx="2">
+            <a:schemeClr val="accent1">
+              <a:shade val="15000"/>
+            </a:schemeClr>
+          </a:lnRef>
+          <a:fillRef idx="1">
+            <a:schemeClr val="accent1"/>
+          </a:fillRef>
+          <a:effectRef idx="0">
+            <a:schemeClr val="accent1"/>
+          </a:effectRef>
+          <a:fontRef idx="minor">
+            <a:schemeClr val="lt1"/>
+          </a:fontRef>
+        </p:style>
+        <p:txBody>
+          <a:bodyPr rtlCol="0" anchor="ctr"/>
+          <a:lstStyle/>
+          <a:p>
+            <a:pPr algn="ctr"/>
+            <a:endParaRPr lang="en-US"/>
+          </a:p>
+        </p:txBody>
+      </p:sp>
+      <p:sp>
+        <p:nvSpPr>
+          <p:cNvPr id="60" name="Left Bracket 59">
+            <a:extLst>
+              <a:ext uri="{FF2B5EF4-FFF2-40B4-BE49-F238E27FC236}">
+                <a16:creationId xmlns:a16="http://schemas.microsoft.com/office/drawing/2014/main" id="{D8022E1B-9032-ADD1-6252-357DBFCD0294}"/>
+              </a:ext>
+            </a:extLst>
+          </p:cNvPr>
+          <p:cNvSpPr/>
+          <p:nvPr/>
+        </p:nvSpPr>
+        <p:spPr>
+          <a:xfrm rot="16200000" flipV="1">
+            <a:off x="8587606" y="7938145"/>
+            <a:ext cx="685800" cy="2395424"/>
+          </a:xfrm>
+          <a:prstGeom prst="leftBracket">
+            <a:avLst>
+              <a:gd name="adj" fmla="val 0"/>
+            </a:avLst>
+          </a:prstGeom>
+          <a:ln w="3175">
+            <a:solidFill>
+              <a:srgbClr val="FFFE70"/>
+            </a:solidFill>
+          </a:ln>
+        </p:spPr>
+        <p:style>
+          <a:lnRef idx="1">
+            <a:schemeClr val="accent1"/>
+          </a:lnRef>
+          <a:fillRef idx="0">
+            <a:schemeClr val="accent1"/>
+          </a:fillRef>
+          <a:effectRef idx="0">
+            <a:schemeClr val="accent1"/>
+          </a:effectRef>
+          <a:fontRef idx="minor">
+            <a:schemeClr val="tx1"/>
+          </a:fontRef>
+        </p:style>
+        <p:txBody>
+          <a:bodyPr rtlCol="0" anchor="ctr"/>
+          <a:lstStyle/>
+          <a:p>
+            <a:pPr algn="ctr"/>
+            <a:endParaRPr lang="en-US"/>
+          </a:p>
+        </p:txBody>
+      </p:sp>
+      <p:sp>
+        <p:nvSpPr>
+          <p:cNvPr id="61" name="Oval 60">
+            <a:extLst>
+              <a:ext uri="{FF2B5EF4-FFF2-40B4-BE49-F238E27FC236}">
+                <a16:creationId xmlns:a16="http://schemas.microsoft.com/office/drawing/2014/main" id="{5EE37B6A-81ED-3A02-B53B-3FB598AAEAB9}"/>
+              </a:ext>
+            </a:extLst>
+          </p:cNvPr>
+          <p:cNvSpPr/>
+          <p:nvPr/>
+        </p:nvSpPr>
+        <p:spPr>
+          <a:xfrm flipV="1">
+            <a:off x="8473306" y="9024305"/>
+            <a:ext cx="914400" cy="914400"/>
+          </a:xfrm>
+          <a:prstGeom prst="ellipse">
+            <a:avLst/>
+          </a:prstGeom>
+          <a:solidFill>
+            <a:srgbClr val="001634"/>
+          </a:solidFill>
+          <a:ln w="19050">
+            <a:solidFill>
+              <a:srgbClr val="FFFE70"/>
+            </a:solidFill>
+          </a:ln>
+        </p:spPr>
+        <p:style>
+          <a:lnRef idx="2">
+            <a:schemeClr val="accent1">
+              <a:shade val="15000"/>
+            </a:schemeClr>
+          </a:lnRef>
+          <a:fillRef idx="1">
+            <a:schemeClr val="accent1"/>
+          </a:fillRef>
+          <a:effectRef idx="0">
+            <a:schemeClr val="accent1"/>
+          </a:effectRef>
+          <a:fontRef idx="minor">
+            <a:schemeClr val="lt1"/>
+          </a:fontRef>
+        </p:style>
+        <p:txBody>
+          <a:bodyPr rtlCol="0" anchor="ctr"/>
+          <a:lstStyle/>
+          <a:p>
+            <a:pPr algn="ctr"/>
+            <a:endParaRPr lang="en-US"/>
+          </a:p>
+        </p:txBody>
+      </p:sp>
+      <p:sp>
+        <p:nvSpPr>
+          <p:cNvPr id="62" name="Left Bracket 61">
+            <a:extLst>
+              <a:ext uri="{FF2B5EF4-FFF2-40B4-BE49-F238E27FC236}">
+                <a16:creationId xmlns:a16="http://schemas.microsoft.com/office/drawing/2014/main" id="{80ACB99D-4C3A-7725-7C2F-3EEE760A9F3E}"/>
+              </a:ext>
+            </a:extLst>
+          </p:cNvPr>
+          <p:cNvSpPr/>
+          <p:nvPr/>
+        </p:nvSpPr>
+        <p:spPr>
+          <a:xfrm rot="16200000" flipV="1">
+            <a:off x="11492178" y="7938145"/>
+            <a:ext cx="685800" cy="2395424"/>
+          </a:xfrm>
+          <a:prstGeom prst="leftBracket">
+            <a:avLst>
+              <a:gd name="adj" fmla="val 0"/>
+            </a:avLst>
+          </a:prstGeom>
+          <a:ln w="3175">
+            <a:solidFill>
+              <a:srgbClr val="FFFE70"/>
+            </a:solidFill>
+          </a:ln>
+        </p:spPr>
+        <p:style>
+          <a:lnRef idx="1">
+            <a:schemeClr val="accent1"/>
+          </a:lnRef>
+          <a:fillRef idx="0">
+            <a:schemeClr val="accent1"/>
+          </a:fillRef>
+          <a:effectRef idx="0">
+            <a:schemeClr val="accent1"/>
+          </a:effectRef>
+          <a:fontRef idx="minor">
+            <a:schemeClr val="tx1"/>
+          </a:fontRef>
+        </p:style>
+        <p:txBody>
+          <a:bodyPr rtlCol="0" anchor="ctr"/>
+          <a:lstStyle/>
+          <a:p>
+            <a:pPr algn="ctr"/>
+            <a:endParaRPr lang="en-US"/>
+          </a:p>
+        </p:txBody>
+      </p:sp>
+      <p:sp>
+        <p:nvSpPr>
+          <p:cNvPr id="63" name="Oval 62">
+            <a:extLst>
+              <a:ext uri="{FF2B5EF4-FFF2-40B4-BE49-F238E27FC236}">
+                <a16:creationId xmlns:a16="http://schemas.microsoft.com/office/drawing/2014/main" id="{08B77A5C-0982-3C48-9398-132B31665B7F}"/>
+              </a:ext>
+            </a:extLst>
+          </p:cNvPr>
+          <p:cNvSpPr/>
+          <p:nvPr/>
+        </p:nvSpPr>
+        <p:spPr>
+          <a:xfrm flipV="1">
+            <a:off x="11377878" y="9024305"/>
+            <a:ext cx="914400" cy="914400"/>
+          </a:xfrm>
+          <a:prstGeom prst="ellipse">
+            <a:avLst/>
+          </a:prstGeom>
+          <a:solidFill>
+            <a:srgbClr val="001634"/>
+          </a:solidFill>
+          <a:ln w="19050">
+            <a:solidFill>
+              <a:srgbClr val="FFFE70"/>
+            </a:solidFill>
+          </a:ln>
+        </p:spPr>
+        <p:style>
+          <a:lnRef idx="2">
+            <a:schemeClr val="accent1">
+              <a:shade val="15000"/>
+            </a:schemeClr>
+          </a:lnRef>
+          <a:fillRef idx="1">
+            <a:schemeClr val="accent1"/>
+          </a:fillRef>
+          <a:effectRef idx="0">
+            <a:schemeClr val="accent1"/>
+          </a:effectRef>
+          <a:fontRef idx="minor">
+            <a:schemeClr val="lt1"/>
+          </a:fontRef>
+        </p:style>
+        <p:txBody>
+          <a:bodyPr rtlCol="0" anchor="ctr"/>
+          <a:lstStyle/>
+          <a:p>
+            <a:pPr algn="ctr"/>
+            <a:endParaRPr lang="en-US"/>
+          </a:p>
+        </p:txBody>
+      </p:sp>
+      <p:pic>
+        <p:nvPicPr>
+          <p:cNvPr id="37" name="Picture 36">
+            <a:extLst>
+              <a:ext uri="{FF2B5EF4-FFF2-40B4-BE49-F238E27FC236}">
+                <a16:creationId xmlns:a16="http://schemas.microsoft.com/office/drawing/2014/main" id="{F83CFEF0-9CA0-D82B-94FD-8F3501A8AA03}"/>
+              </a:ext>
+            </a:extLst>
+          </p:cNvPr>
+          <p:cNvPicPr>
+            <a:picLocks noChangeAspect="1"/>
+          </p:cNvPicPr>
+          <p:nvPr/>
+        </p:nvPicPr>
+        <p:blipFill>
+          <a:blip r:embed="rId6" cstate="print">
+            <a:lum bright="70000" contrast="-70000"/>
+            <a:extLst>
+              <a:ext uri="{28A0092B-C50C-407E-A947-70E740481C1C}">
+                <a14:useLocalDpi xmlns:a14="http://schemas.microsoft.com/office/drawing/2010/main" val="0"/>
+              </a:ext>
+            </a:extLst>
+          </a:blip>
+          <a:stretch>
+            <a:fillRect/>
+          </a:stretch>
+        </p:blipFill>
+        <p:spPr>
+          <a:xfrm>
+            <a:off x="11493678" y="9135856"/>
+            <a:ext cx="640080" cy="640080"/>
+          </a:xfrm>
+          <a:prstGeom prst="rect">
+            <a:avLst/>
+          </a:prstGeom>
+          <a:noFill/>
+          <a:ln>
+            <a:noFill/>
+          </a:ln>
+        </p:spPr>
+      </p:pic>
+      <p:pic>
+        <p:nvPicPr>
+          <p:cNvPr id="39" name="Picture 38">
+            <a:extLst>
+              <a:ext uri="{FF2B5EF4-FFF2-40B4-BE49-F238E27FC236}">
+                <a16:creationId xmlns:a16="http://schemas.microsoft.com/office/drawing/2014/main" id="{52ABF9FD-5F29-D640-23E7-F749EBD0E5D5}"/>
+              </a:ext>
+            </a:extLst>
+          </p:cNvPr>
+          <p:cNvPicPr>
+            <a:picLocks noChangeAspect="1"/>
+          </p:cNvPicPr>
+          <p:nvPr/>
+        </p:nvPicPr>
+        <p:blipFill>
+          <a:blip r:embed="rId7" cstate="print">
+            <a:lum bright="70000" contrast="-70000"/>
+            <a:extLst>
+              <a:ext uri="{28A0092B-C50C-407E-A947-70E740481C1C}">
+                <a14:useLocalDpi xmlns:a14="http://schemas.microsoft.com/office/drawing/2010/main" val="0"/>
+              </a:ext>
+            </a:extLst>
+          </a:blip>
+          <a:stretch>
+            <a:fillRect/>
+          </a:stretch>
+        </p:blipFill>
+        <p:spPr>
+          <a:xfrm>
+            <a:off x="5742210" y="9161465"/>
+            <a:ext cx="640080" cy="640080"/>
+          </a:xfrm>
+          <a:prstGeom prst="rect">
+            <a:avLst/>
+          </a:prstGeom>
+          <a:noFill/>
+          <a:ln>
+            <a:noFill/>
+          </a:ln>
+        </p:spPr>
+      </p:pic>
+      <p:pic>
+        <p:nvPicPr>
+          <p:cNvPr id="41" name="Picture 40">
+            <a:extLst>
+              <a:ext uri="{FF2B5EF4-FFF2-40B4-BE49-F238E27FC236}">
+                <a16:creationId xmlns:a16="http://schemas.microsoft.com/office/drawing/2014/main" id="{078068DC-438F-1224-43F8-3982A378FF75}"/>
+              </a:ext>
+            </a:extLst>
+          </p:cNvPr>
+          <p:cNvPicPr>
+            <a:picLocks noChangeAspect="1"/>
+          </p:cNvPicPr>
+          <p:nvPr/>
+        </p:nvPicPr>
+        <p:blipFill>
+          <a:blip r:embed="rId8" cstate="print">
+            <a:lum bright="70000" contrast="-70000"/>
+            <a:extLst>
+              <a:ext uri="{28A0092B-C50C-407E-A947-70E740481C1C}">
+                <a14:useLocalDpi xmlns:a14="http://schemas.microsoft.com/office/drawing/2010/main" val="0"/>
+              </a:ext>
+            </a:extLst>
+          </a:blip>
+          <a:stretch>
+            <a:fillRect/>
+          </a:stretch>
+        </p:blipFill>
+        <p:spPr>
+          <a:xfrm>
+            <a:off x="8610466" y="9161465"/>
+            <a:ext cx="640080" cy="640080"/>
+          </a:xfrm>
+          <a:prstGeom prst="rect">
+            <a:avLst/>
+          </a:prstGeom>
+          <a:noFill/>
+          <a:ln>
+            <a:noFill/>
+          </a:ln>
+        </p:spPr>
+      </p:pic>
+      <p:pic>
+        <p:nvPicPr>
+          <p:cNvPr id="43" name="Picture 42">
+            <a:extLst>
+              <a:ext uri="{FF2B5EF4-FFF2-40B4-BE49-F238E27FC236}">
+                <a16:creationId xmlns:a16="http://schemas.microsoft.com/office/drawing/2014/main" id="{8DBBEC3C-99D2-4DC1-9ED0-C9052990496C}"/>
+              </a:ext>
+            </a:extLst>
+          </p:cNvPr>
+          <p:cNvPicPr>
+            <a:picLocks noChangeAspect="1"/>
+          </p:cNvPicPr>
+          <p:nvPr/>
+        </p:nvPicPr>
+        <p:blipFill>
+          <a:blip r:embed="rId9" cstate="print">
+            <a:lum bright="70000" contrast="-70000"/>
+            <a:extLst>
+              <a:ext uri="{28A0092B-C50C-407E-A947-70E740481C1C}">
+                <a14:useLocalDpi xmlns:a14="http://schemas.microsoft.com/office/drawing/2010/main" val="0"/>
+              </a:ext>
+            </a:extLst>
+          </a:blip>
+          <a:stretch>
+            <a:fillRect/>
+          </a:stretch>
+        </p:blipFill>
+        <p:spPr>
+          <a:xfrm>
+            <a:off x="2831998" y="9112250"/>
+            <a:ext cx="640080" cy="640080"/>
+          </a:xfrm>
+          <a:prstGeom prst="rect">
+            <a:avLst/>
+          </a:prstGeom>
+          <a:noFill/>
+          <a:ln>
+            <a:noFill/>
+          </a:ln>
+        </p:spPr>
+      </p:pic>
+      <p:pic>
+        <p:nvPicPr>
+          <p:cNvPr id="45" name="Picture 44">
+            <a:extLst>
+              <a:ext uri="{FF2B5EF4-FFF2-40B4-BE49-F238E27FC236}">
+                <a16:creationId xmlns:a16="http://schemas.microsoft.com/office/drawing/2014/main" id="{38040924-B2E6-B7C2-9C5B-ACDDF7A07755}"/>
+              </a:ext>
+            </a:extLst>
+          </p:cNvPr>
+          <p:cNvPicPr>
+            <a:picLocks noChangeAspect="1"/>
+          </p:cNvPicPr>
+          <p:nvPr/>
+        </p:nvPicPr>
+        <p:blipFill>
+          <a:blip r:embed="rId10" cstate="print">
+            <a:lum bright="70000" contrast="-70000"/>
+            <a:extLst>
+              <a:ext uri="{28A0092B-C50C-407E-A947-70E740481C1C}">
+                <a14:useLocalDpi xmlns:a14="http://schemas.microsoft.com/office/drawing/2010/main" val="0"/>
+              </a:ext>
+            </a:extLst>
+          </a:blip>
+          <a:stretch>
+            <a:fillRect/>
+          </a:stretch>
+        </p:blipFill>
+        <p:spPr>
+          <a:xfrm>
+            <a:off x="14447172" y="3130173"/>
+            <a:ext cx="548640" cy="548640"/>
+          </a:xfrm>
+          <a:prstGeom prst="rect">
+            <a:avLst/>
+          </a:prstGeom>
+          <a:noFill/>
+          <a:ln>
+            <a:noFill/>
+          </a:ln>
+        </p:spPr>
+      </p:pic>
+      <p:pic>
+        <p:nvPicPr>
+          <p:cNvPr id="47" name="Picture 46">
+            <a:extLst>
+              <a:ext uri="{FF2B5EF4-FFF2-40B4-BE49-F238E27FC236}">
+                <a16:creationId xmlns:a16="http://schemas.microsoft.com/office/drawing/2014/main" id="{F9BAB529-0783-04D0-8884-13816402A461}"/>
+              </a:ext>
+            </a:extLst>
+          </p:cNvPr>
+          <p:cNvPicPr>
+            <a:picLocks noChangeAspect="1"/>
+          </p:cNvPicPr>
+          <p:nvPr/>
+        </p:nvPicPr>
+        <p:blipFill>
+          <a:blip r:embed="rId11" cstate="print">
+            <a:lum bright="70000" contrast="-70000"/>
+            <a:extLst>
+              <a:ext uri="{28A0092B-C50C-407E-A947-70E740481C1C}">
+                <a14:useLocalDpi xmlns:a14="http://schemas.microsoft.com/office/drawing/2010/main" val="0"/>
+              </a:ext>
+            </a:extLst>
+          </a:blip>
+          <a:stretch>
+            <a:fillRect/>
+          </a:stretch>
+        </p:blipFill>
+        <p:spPr>
+          <a:xfrm>
+            <a:off x="11560758" y="3130173"/>
+            <a:ext cx="548640" cy="548640"/>
+          </a:xfrm>
+          <a:prstGeom prst="rect">
+            <a:avLst/>
+          </a:prstGeom>
+          <a:noFill/>
+          <a:ln>
+            <a:noFill/>
+          </a:ln>
+        </p:spPr>
+      </p:pic>
     </p:spTree>
     <p:extLst>
       <p:ext uri="{BB962C8B-B14F-4D97-AF65-F5344CB8AC3E}">

--- a/Sean/Presentation/Final Project - Group 3.pptx
+++ b/Sean/Presentation/Final Project - Group 3.pptx
@@ -3894,7 +3894,7 @@
         </p:blipFill>
         <p:spPr>
           <a:xfrm>
-            <a:off x="5742210" y="9161465"/>
+            <a:off x="8610466" y="9161465"/>
             <a:ext cx="640080" cy="640080"/>
           </a:xfrm>
           <a:prstGeom prst="rect">
@@ -3935,7 +3935,7 @@
         </p:blipFill>
         <p:spPr>
           <a:xfrm>
-            <a:off x="8610466" y="9161465"/>
+            <a:off x="5742210" y="9161465"/>
             <a:ext cx="640080" cy="640080"/>
           </a:xfrm>
           <a:prstGeom prst="rect">
